--- a/Report/739_project_final_ppt.pptx
+++ b/Report/739_project_final_ppt.pptx
@@ -4238,7 +4238,7 @@
           <p:nvPr>
             <p:extLst>
               <p:ext uri="{D42A27DB-BD31-4B8C-83A1-F6EECF244321}">
-                <p14:modId xmlns:p14="http://schemas.microsoft.com/office/powerpoint/2010/main" val="1421308971"/>
+                <p14:modId xmlns:p14="http://schemas.microsoft.com/office/powerpoint/2010/main" val="752779108"/>
               </p:ext>
             </p:extLst>
           </p:nvPr>
